--- a/ExtrasTesis/Poster San Diego 2.pptx
+++ b/ExtrasTesis/Poster San Diego 2.pptx
@@ -209,7 +209,7 @@
           <a:p>
             <a:fld id="{2C3094B3-1378-48FF-9859-E09576822C3C}" type="datetimeFigureOut">
               <a:rPr lang="en-GB" smtClean="0"/>
-              <a:t>26/02/2021</a:t>
+              <a:t>28/03/2021</a:t>
             </a:fld>
             <a:endParaRPr lang="en-GB"/>
           </a:p>
@@ -742,7 +742,7 @@
           <a:p>
             <a:fld id="{D790299D-4439-463B-88D5-043B0CC97489}" type="datetimeFigureOut">
               <a:rPr lang="en-GB" smtClean="0"/>
-              <a:t>26/02/2021</a:t>
+              <a:t>28/03/2021</a:t>
             </a:fld>
             <a:endParaRPr lang="en-GB"/>
           </a:p>
@@ -912,7 +912,7 @@
           <a:p>
             <a:fld id="{D790299D-4439-463B-88D5-043B0CC97489}" type="datetimeFigureOut">
               <a:rPr lang="en-GB" smtClean="0"/>
-              <a:t>26/02/2021</a:t>
+              <a:t>28/03/2021</a:t>
             </a:fld>
             <a:endParaRPr lang="en-GB"/>
           </a:p>
@@ -1092,7 +1092,7 @@
           <a:p>
             <a:fld id="{D790299D-4439-463B-88D5-043B0CC97489}" type="datetimeFigureOut">
               <a:rPr lang="en-GB" smtClean="0"/>
-              <a:t>26/02/2021</a:t>
+              <a:t>28/03/2021</a:t>
             </a:fld>
             <a:endParaRPr lang="en-GB"/>
           </a:p>
@@ -1262,7 +1262,7 @@
           <a:p>
             <a:fld id="{D790299D-4439-463B-88D5-043B0CC97489}" type="datetimeFigureOut">
               <a:rPr lang="en-GB" smtClean="0"/>
-              <a:t>26/02/2021</a:t>
+              <a:t>28/03/2021</a:t>
             </a:fld>
             <a:endParaRPr lang="en-GB"/>
           </a:p>
@@ -1508,7 +1508,7 @@
           <a:p>
             <a:fld id="{D790299D-4439-463B-88D5-043B0CC97489}" type="datetimeFigureOut">
               <a:rPr lang="en-GB" smtClean="0"/>
-              <a:t>26/02/2021</a:t>
+              <a:t>28/03/2021</a:t>
             </a:fld>
             <a:endParaRPr lang="en-GB"/>
           </a:p>
@@ -1796,7 +1796,7 @@
           <a:p>
             <a:fld id="{D790299D-4439-463B-88D5-043B0CC97489}" type="datetimeFigureOut">
               <a:rPr lang="en-GB" smtClean="0"/>
-              <a:t>26/02/2021</a:t>
+              <a:t>28/03/2021</a:t>
             </a:fld>
             <a:endParaRPr lang="en-GB"/>
           </a:p>
@@ -2223,7 +2223,7 @@
           <a:p>
             <a:fld id="{D790299D-4439-463B-88D5-043B0CC97489}" type="datetimeFigureOut">
               <a:rPr lang="en-GB" smtClean="0"/>
-              <a:t>26/02/2021</a:t>
+              <a:t>28/03/2021</a:t>
             </a:fld>
             <a:endParaRPr lang="en-GB"/>
           </a:p>
@@ -2341,7 +2341,7 @@
           <a:p>
             <a:fld id="{D790299D-4439-463B-88D5-043B0CC97489}" type="datetimeFigureOut">
               <a:rPr lang="en-GB" smtClean="0"/>
-              <a:t>26/02/2021</a:t>
+              <a:t>28/03/2021</a:t>
             </a:fld>
             <a:endParaRPr lang="en-GB"/>
           </a:p>
@@ -2436,7 +2436,7 @@
           <a:p>
             <a:fld id="{D790299D-4439-463B-88D5-043B0CC97489}" type="datetimeFigureOut">
               <a:rPr lang="en-GB" smtClean="0"/>
-              <a:t>26/02/2021</a:t>
+              <a:t>28/03/2021</a:t>
             </a:fld>
             <a:endParaRPr lang="en-GB"/>
           </a:p>
@@ -2713,7 +2713,7 @@
           <a:p>
             <a:fld id="{D790299D-4439-463B-88D5-043B0CC97489}" type="datetimeFigureOut">
               <a:rPr lang="en-GB" smtClean="0"/>
-              <a:t>26/02/2021</a:t>
+              <a:t>28/03/2021</a:t>
             </a:fld>
             <a:endParaRPr lang="en-GB"/>
           </a:p>
@@ -2966,7 +2966,7 @@
           <a:p>
             <a:fld id="{D790299D-4439-463B-88D5-043B0CC97489}" type="datetimeFigureOut">
               <a:rPr lang="en-GB" smtClean="0"/>
-              <a:t>26/02/2021</a:t>
+              <a:t>28/03/2021</a:t>
             </a:fld>
             <a:endParaRPr lang="en-GB"/>
           </a:p>
@@ -3179,7 +3179,7 @@
           <a:p>
             <a:fld id="{D790299D-4439-463B-88D5-043B0CC97489}" type="datetimeFigureOut">
               <a:rPr lang="en-GB" smtClean="0"/>
-              <a:t>26/02/2021</a:t>
+              <a:t>28/03/2021</a:t>
             </a:fld>
             <a:endParaRPr lang="en-GB"/>
           </a:p>
@@ -3606,7 +3606,7 @@
           <p:nvPr/>
         </p:nvPicPr>
         <p:blipFill>
-          <a:blip r:embed="rId4" cstate="print">
+          <a:blip r:embed="rId3" cstate="print">
             <a:extLst>
               <a:ext uri="{28A0092B-C50C-407E-A947-70E740481C1C}">
                 <a14:useLocalDpi xmlns:a14="http://schemas.microsoft.com/office/drawing/2010/main" val="0"/>
@@ -5715,7 +5715,7 @@
           <p:nvPr/>
         </p:nvPicPr>
         <p:blipFill>
-          <a:blip r:embed="rId5">
+          <a:blip r:embed="rId4">
             <a:extLst>
               <a:ext uri="{28A0092B-C50C-407E-A947-70E740481C1C}">
                 <a14:useLocalDpi xmlns:a14="http://schemas.microsoft.com/office/drawing/2010/main" val="0"/>
@@ -5779,7 +5779,7 @@
           <p:nvPr/>
         </p:nvPicPr>
         <p:blipFill>
-          <a:blip r:embed="rId6">
+          <a:blip r:embed="rId5">
             <a:extLst>
               <a:ext uri="{28A0092B-C50C-407E-A947-70E740481C1C}">
                 <a14:useLocalDpi xmlns:a14="http://schemas.microsoft.com/office/drawing/2010/main" val="0"/>
@@ -5980,7 +5980,7 @@
           <p:nvPr/>
         </p:nvPicPr>
         <p:blipFill>
-          <a:blip r:embed="rId7">
+          <a:blip r:embed="rId6">
             <a:extLst>
               <a:ext uri="{28A0092B-C50C-407E-A947-70E740481C1C}">
                 <a14:useLocalDpi xmlns:a14="http://schemas.microsoft.com/office/drawing/2010/main" val="0"/>
@@ -6125,7 +6125,7 @@
           <p:nvPr/>
         </p:nvPicPr>
         <p:blipFill>
-          <a:blip r:embed="rId8">
+          <a:blip r:embed="rId7">
             <a:extLst>
               <a:ext uri="{28A0092B-C50C-407E-A947-70E740481C1C}">
                 <a14:useLocalDpi xmlns:a14="http://schemas.microsoft.com/office/drawing/2010/main" val="0"/>
@@ -6341,7 +6341,7 @@
           <p:nvPr/>
         </p:nvPicPr>
         <p:blipFill>
-          <a:blip r:embed="rId9" cstate="print">
+          <a:blip r:embed="rId8" cstate="print">
             <a:extLst>
               <a:ext uri="{28A0092B-C50C-407E-A947-70E740481C1C}">
                 <a14:useLocalDpi xmlns:a14="http://schemas.microsoft.com/office/drawing/2010/main" val="0"/>
@@ -6490,7 +6490,7 @@
           <p:nvPr/>
         </p:nvPicPr>
         <p:blipFill>
-          <a:blip r:embed="rId10">
+          <a:blip r:embed="rId9">
             <a:extLst>
               <a:ext uri="{28A0092B-C50C-407E-A947-70E740481C1C}">
                 <a14:useLocalDpi xmlns:a14="http://schemas.microsoft.com/office/drawing/2010/main" val="0"/>
@@ -6544,7 +6544,7 @@
           <p:nvPr/>
         </p:nvPicPr>
         <p:blipFill>
-          <a:blip r:embed="rId11">
+          <a:blip r:embed="rId10">
             <a:extLst>
               <a:ext uri="{28A0092B-C50C-407E-A947-70E740481C1C}">
                 <a14:useLocalDpi xmlns:a14="http://schemas.microsoft.com/office/drawing/2010/main" val="0"/>
@@ -6691,7 +6691,7 @@
         </p:nvGrpSpPr>
         <p:grpSpPr>
           <a:xfrm>
-            <a:off x="5706553" y="6434135"/>
+            <a:off x="8064873" y="7665225"/>
             <a:ext cx="27493440" cy="19704042"/>
             <a:chOff x="5706553" y="6434135"/>
             <a:chExt cx="27493440" cy="19704042"/>
@@ -11298,8 +11298,8 @@
             </p:nvSpPr>
             <p:spPr bwMode="auto">
               <a:xfrm>
-                <a:off x="7768064" y="5212"/>
-                <a:ext cx="19451291" cy="7312"/>
+                <a:off x="7785097" y="5218"/>
+                <a:ext cx="20108866" cy="7312"/>
               </a:xfrm>
               <a:custGeom>
                 <a:avLst/>
@@ -11691,12 +11691,17 @@
                   </a:path>
                 </a:pathLst>
               </a:custGeom>
-              <a:noFill/>
-              <a:ln w="122238" cap="flat">
+              <a:solidFill>
+                <a:srgbClr val="FFFFFF"/>
+              </a:solidFill>
+              <a:ln w="122238" cap="flat" cmpd="sng">
                 <a:solidFill>
-                  <a:srgbClr val="FFC000"/>
+                  <a:schemeClr val="tx2">
+                    <a:lumMod val="40000"/>
+                    <a:lumOff val="60000"/>
+                  </a:schemeClr>
                 </a:solidFill>
-                <a:prstDash val="sysDot"/>
+                <a:prstDash val="solid"/>
                 <a:round/>
                 <a:headEnd/>
                 <a:tailEnd/>
@@ -12571,15 +12576,6 @@
                   </a:ext>
                 </a:extLst>
               </a:ln>
-              <a:extLst>
-                <a:ext uri="{909E8E84-426E-40DD-AFC4-6F175D3DCCD1}">
-                  <a14:hiddenFill xmlns:a14="http://schemas.microsoft.com/office/drawing/2010/main">
-                    <a:solidFill>
-                      <a:srgbClr val="FFFFFF"/>
-                    </a:solidFill>
-                  </a14:hiddenFill>
-                </a:ext>
-              </a:extLst>
             </p:spPr>
             <p:txBody>
               <a:bodyPr vert="horz" wrap="square" lIns="91440" tIns="45720" rIns="91440" bIns="45720" numCol="1" anchor="t" anchorCtr="0" compatLnSpc="1">
@@ -12609,7 +12605,7 @@
             </p:nvSpPr>
             <p:spPr bwMode="auto">
               <a:xfrm>
-                <a:off x="7768062" y="5234"/>
+                <a:off x="7768062" y="5207"/>
                 <a:ext cx="20187019" cy="6917"/>
               </a:xfrm>
               <a:custGeom>
@@ -13035,7 +13031,10 @@
               <a:noFill/>
               <a:ln w="82550" cap="flat">
                 <a:solidFill>
-                  <a:srgbClr val="00B050"/>
+                  <a:schemeClr val="accent2">
+                    <a:lumMod val="40000"/>
+                    <a:lumOff val="60000"/>
+                  </a:schemeClr>
                 </a:solidFill>
                 <a:prstDash val="solid"/>
                 <a:round/>
